--- a/1. Core Java 8/Day 2/Slides/8. String Formatting/string-formatting-slides.pptx
+++ b/1. Core Java 8/Day 2/Slides/8. String Formatting/string-formatting-slides.pptx
@@ -1504,28 +1504,6 @@
           <a:chExt cx="0" cy="0"/>
         </a:xfrm>
       </p:grpSpPr>
-      <p:pic>
-        <p:nvPicPr>
-          <p:cNvPr id="16" name="bg object 16"/>
-          <p:cNvPicPr/>
-          <p:nvPr/>
-        </p:nvPicPr>
-        <p:blipFill>
-          <a:blip r:embed="rId6" cstate="print"/>
-          <a:stretch>
-            <a:fillRect/>
-          </a:stretch>
-        </p:blipFill>
-        <p:spPr>
-          <a:xfrm>
-            <a:off x="11484864" y="6149340"/>
-            <a:ext cx="451103" cy="449580"/>
-          </a:xfrm>
-          <a:prstGeom prst="rect">
-            <a:avLst/>
-          </a:prstGeom>
-        </p:spPr>
-      </p:pic>
       <p:sp>
         <p:nvSpPr>
           <p:cNvPr id="2" name="Holder 2"/>
@@ -7844,7 +7822,7 @@
           <p:nvPr/>
         </p:nvGraphicFramePr>
         <p:xfrm>
-          <a:off x="343154" y="3785883"/>
+          <a:off x="571754" y="3785883"/>
           <a:ext cx="10274297" cy="2470150"/>
         </p:xfrm>
         <a:graphic>
@@ -20456,28 +20434,6 @@
           <a:p/>
         </p:txBody>
       </p:sp>
-      <p:pic>
-        <p:nvPicPr>
-          <p:cNvPr id="3" name="object 3"/>
-          <p:cNvPicPr/>
-          <p:nvPr/>
-        </p:nvPicPr>
-        <p:blipFill>
-          <a:blip r:embed="rId1" cstate="print"/>
-          <a:stretch>
-            <a:fillRect/>
-          </a:stretch>
-        </p:blipFill>
-        <p:spPr>
-          <a:xfrm>
-            <a:off x="11484864" y="6149340"/>
-            <a:ext cx="451103" cy="449580"/>
-          </a:xfrm>
-          <a:prstGeom prst="rect">
-            <a:avLst/>
-          </a:prstGeom>
-        </p:spPr>
-      </p:pic>
       <p:sp>
         <p:nvSpPr>
           <p:cNvPr id="4" name="object 4"/>
@@ -21495,7 +21451,7 @@
           <p:nvPr/>
         </p:nvPicPr>
         <p:blipFill>
-          <a:blip r:embed="rId2" cstate="print"/>
+          <a:blip r:embed="rId1" cstate="print"/>
           <a:stretch>
             <a:fillRect/>
           </a:stretch>
@@ -22005,28 +21961,6 @@
           <a:p/>
         </p:txBody>
       </p:sp>
-      <p:pic>
-        <p:nvPicPr>
-          <p:cNvPr id="3" name="object 3"/>
-          <p:cNvPicPr/>
-          <p:nvPr/>
-        </p:nvPicPr>
-        <p:blipFill>
-          <a:blip r:embed="rId1" cstate="print"/>
-          <a:stretch>
-            <a:fillRect/>
-          </a:stretch>
-        </p:blipFill>
-        <p:spPr>
-          <a:xfrm>
-            <a:off x="11484864" y="6149340"/>
-            <a:ext cx="451103" cy="449580"/>
-          </a:xfrm>
-          <a:prstGeom prst="rect">
-            <a:avLst/>
-          </a:prstGeom>
-        </p:spPr>
-      </p:pic>
       <p:sp>
         <p:nvSpPr>
           <p:cNvPr id="4" name="object 4"/>
@@ -23181,7 +23115,7 @@
           <p:nvPr/>
         </p:nvPicPr>
         <p:blipFill>
-          <a:blip r:embed="rId2" cstate="print"/>
+          <a:blip r:embed="rId1" cstate="print"/>
           <a:stretch>
             <a:fillRect/>
           </a:stretch>
@@ -23431,28 +23365,6 @@
           <a:p/>
         </p:txBody>
       </p:sp>
-      <p:pic>
-        <p:nvPicPr>
-          <p:cNvPr id="3" name="object 3"/>
-          <p:cNvPicPr/>
-          <p:nvPr/>
-        </p:nvPicPr>
-        <p:blipFill>
-          <a:blip r:embed="rId1" cstate="print"/>
-          <a:stretch>
-            <a:fillRect/>
-          </a:stretch>
-        </p:blipFill>
-        <p:spPr>
-          <a:xfrm>
-            <a:off x="11484864" y="6149340"/>
-            <a:ext cx="451103" cy="449580"/>
-          </a:xfrm>
-          <a:prstGeom prst="rect">
-            <a:avLst/>
-          </a:prstGeom>
-        </p:spPr>
-      </p:pic>
       <p:sp>
         <p:nvSpPr>
           <p:cNvPr id="4" name="object 4"/>
@@ -24737,7 +24649,7 @@
           <p:nvPr/>
         </p:nvPicPr>
         <p:blipFill>
-          <a:blip r:embed="rId2" cstate="print"/>
+          <a:blip r:embed="rId1" cstate="print"/>
           <a:stretch>
             <a:fillRect/>
           </a:stretch>
